--- a/popups/banners/Popup_Template.pptx
+++ b/popups/banners/Popup_Template.pptx
@@ -145,7 +145,7 @@
   <pc:docChgLst>
     <pc:chgData name="이응빈" userId="e1966906-28e4-48ee-ae45-34fa8bdc4c5f" providerId="ADAL" clId="{654F0199-E9C9-2546-93F3-77FDE6542638}"/>
     <pc:docChg chg="custSel addSld delSld modSld">
-      <pc:chgData name="이응빈" userId="e1966906-28e4-48ee-ae45-34fa8bdc4c5f" providerId="ADAL" clId="{654F0199-E9C9-2546-93F3-77FDE6542638}" dt="2021-08-30T08:00:33.120" v="24"/>
+      <pc:chgData name="이응빈" userId="e1966906-28e4-48ee-ae45-34fa8bdc4c5f" providerId="ADAL" clId="{654F0199-E9C9-2546-93F3-77FDE6542638}" dt="2021-08-30T08:47:37.265" v="25" actId="729"/>
       <pc:docMkLst>
         <pc:docMk/>
       </pc:docMkLst>
@@ -179,6 +179,34 @@
             <ac:picMk id="44" creationId="{4947A7DE-DC98-5145-9E2E-B1C0E5FA073D}"/>
           </ac:picMkLst>
         </pc:picChg>
+      </pc:sldChg>
+      <pc:sldChg chg="mod modShow">
+        <pc:chgData name="이응빈" userId="e1966906-28e4-48ee-ae45-34fa8bdc4c5f" providerId="ADAL" clId="{654F0199-E9C9-2546-93F3-77FDE6542638}" dt="2021-08-30T08:47:37.265" v="25" actId="729"/>
+        <pc:sldMkLst>
+          <pc:docMk/>
+          <pc:sldMk cId="2848101848" sldId="292"/>
+        </pc:sldMkLst>
+      </pc:sldChg>
+      <pc:sldChg chg="mod modShow">
+        <pc:chgData name="이응빈" userId="e1966906-28e4-48ee-ae45-34fa8bdc4c5f" providerId="ADAL" clId="{654F0199-E9C9-2546-93F3-77FDE6542638}" dt="2021-08-30T08:47:37.265" v="25" actId="729"/>
+        <pc:sldMkLst>
+          <pc:docMk/>
+          <pc:sldMk cId="2021381332" sldId="293"/>
+        </pc:sldMkLst>
+      </pc:sldChg>
+      <pc:sldChg chg="mod modShow">
+        <pc:chgData name="이응빈" userId="e1966906-28e4-48ee-ae45-34fa8bdc4c5f" providerId="ADAL" clId="{654F0199-E9C9-2546-93F3-77FDE6542638}" dt="2021-08-30T08:47:37.265" v="25" actId="729"/>
+        <pc:sldMkLst>
+          <pc:docMk/>
+          <pc:sldMk cId="945105176" sldId="294"/>
+        </pc:sldMkLst>
+      </pc:sldChg>
+      <pc:sldChg chg="mod modShow">
+        <pc:chgData name="이응빈" userId="e1966906-28e4-48ee-ae45-34fa8bdc4c5f" providerId="ADAL" clId="{654F0199-E9C9-2546-93F3-77FDE6542638}" dt="2021-08-30T08:47:37.265" v="25" actId="729"/>
+        <pc:sldMkLst>
+          <pc:docMk/>
+          <pc:sldMk cId="504255209" sldId="295"/>
+        </pc:sldMkLst>
       </pc:sldChg>
       <pc:sldChg chg="addSp delSp modSp add mod">
         <pc:chgData name="이응빈" userId="e1966906-28e4-48ee-ae45-34fa8bdc4c5f" providerId="ADAL" clId="{654F0199-E9C9-2546-93F3-77FDE6542638}" dt="2021-08-30T08:00:33.120" v="24"/>
@@ -5887,7 +5915,7 @@
 </file>
 
 <file path=ppt/slides/slide3.xml><?xml version="1.0" encoding="utf-8"?>
-<p:sld xmlns:a="http://schemas.openxmlformats.org/drawingml/2006/main" xmlns:r="http://schemas.openxmlformats.org/officeDocument/2006/relationships" xmlns:p="http://schemas.openxmlformats.org/presentationml/2006/main">
+<p:sld xmlns:a="http://schemas.openxmlformats.org/drawingml/2006/main" xmlns:r="http://schemas.openxmlformats.org/officeDocument/2006/relationships" xmlns:p="http://schemas.openxmlformats.org/presentationml/2006/main" show="0">
   <p:cSld>
     <p:spTree>
       <p:nvGrpSpPr>
@@ -6717,7 +6745,7 @@
 </file>
 
 <file path=ppt/slides/slide4.xml><?xml version="1.0" encoding="utf-8"?>
-<p:sld xmlns:a="http://schemas.openxmlformats.org/drawingml/2006/main" xmlns:r="http://schemas.openxmlformats.org/officeDocument/2006/relationships" xmlns:p="http://schemas.openxmlformats.org/presentationml/2006/main">
+<p:sld xmlns:a="http://schemas.openxmlformats.org/drawingml/2006/main" xmlns:r="http://schemas.openxmlformats.org/officeDocument/2006/relationships" xmlns:p="http://schemas.openxmlformats.org/presentationml/2006/main" show="0">
   <p:cSld>
     <p:spTree>
       <p:nvGrpSpPr>
@@ -7345,7 +7373,7 @@
 </file>
 
 <file path=ppt/slides/slide5.xml><?xml version="1.0" encoding="utf-8"?>
-<p:sld xmlns:a="http://schemas.openxmlformats.org/drawingml/2006/main" xmlns:r="http://schemas.openxmlformats.org/officeDocument/2006/relationships" xmlns:p="http://schemas.openxmlformats.org/presentationml/2006/main">
+<p:sld xmlns:a="http://schemas.openxmlformats.org/drawingml/2006/main" xmlns:r="http://schemas.openxmlformats.org/officeDocument/2006/relationships" xmlns:p="http://schemas.openxmlformats.org/presentationml/2006/main" show="0">
   <p:cSld>
     <p:spTree>
       <p:nvGrpSpPr>
@@ -7753,7 +7781,7 @@
 </file>
 
 <file path=ppt/slides/slide6.xml><?xml version="1.0" encoding="utf-8"?>
-<p:sld xmlns:a="http://schemas.openxmlformats.org/drawingml/2006/main" xmlns:r="http://schemas.openxmlformats.org/officeDocument/2006/relationships" xmlns:p="http://schemas.openxmlformats.org/presentationml/2006/main">
+<p:sld xmlns:a="http://schemas.openxmlformats.org/drawingml/2006/main" xmlns:r="http://schemas.openxmlformats.org/officeDocument/2006/relationships" xmlns:p="http://schemas.openxmlformats.org/presentationml/2006/main" show="0">
   <p:cSld>
     <p:spTree>
       <p:nvGrpSpPr>

--- a/popups/banners/Popup_Template.pptx
+++ b/popups/banners/Popup_Template.pptx
@@ -135,7 +135,7 @@
 <file path=ppt/revisionInfo.xml><?xml version="1.0" encoding="utf-8"?>
 <p1510:revInfo xmlns:a="http://schemas.openxmlformats.org/drawingml/2006/main" xmlns:r="http://schemas.openxmlformats.org/officeDocument/2006/relationships" xmlns:p1510="http://schemas.microsoft.com/office/powerpoint/2015/10/main">
   <p1510:revLst>
-    <p1510:client id="{654F0199-E9C9-2546-93F3-77FDE6542638}" v="14" dt="2021-08-30T08:00:33.120"/>
+    <p1510:client id="{654F0199-E9C9-2546-93F3-77FDE6542638}" v="15" dt="2021-08-30T08:50:28.712"/>
   </p1510:revLst>
 </p1510:revInfo>
 </file>
@@ -145,7 +145,7 @@
   <pc:docChgLst>
     <pc:chgData name="이응빈" userId="e1966906-28e4-48ee-ae45-34fa8bdc4c5f" providerId="ADAL" clId="{654F0199-E9C9-2546-93F3-77FDE6542638}"/>
     <pc:docChg chg="custSel addSld delSld modSld">
-      <pc:chgData name="이응빈" userId="e1966906-28e4-48ee-ae45-34fa8bdc4c5f" providerId="ADAL" clId="{654F0199-E9C9-2546-93F3-77FDE6542638}" dt="2021-08-30T08:47:37.265" v="25" actId="729"/>
+      <pc:chgData name="이응빈" userId="e1966906-28e4-48ee-ae45-34fa8bdc4c5f" providerId="ADAL" clId="{654F0199-E9C9-2546-93F3-77FDE6542638}" dt="2021-08-30T08:50:28.711" v="26" actId="767"/>
       <pc:docMkLst>
         <pc:docMk/>
       </pc:docMkLst>
@@ -194,12 +194,20 @@
           <pc:sldMk cId="2021381332" sldId="293"/>
         </pc:sldMkLst>
       </pc:sldChg>
-      <pc:sldChg chg="mod modShow">
-        <pc:chgData name="이응빈" userId="e1966906-28e4-48ee-ae45-34fa8bdc4c5f" providerId="ADAL" clId="{654F0199-E9C9-2546-93F3-77FDE6542638}" dt="2021-08-30T08:47:37.265" v="25" actId="729"/>
+      <pc:sldChg chg="addSp modSp mod modShow">
+        <pc:chgData name="이응빈" userId="e1966906-28e4-48ee-ae45-34fa8bdc4c5f" providerId="ADAL" clId="{654F0199-E9C9-2546-93F3-77FDE6542638}" dt="2021-08-30T08:50:28.711" v="26" actId="767"/>
         <pc:sldMkLst>
           <pc:docMk/>
           <pc:sldMk cId="945105176" sldId="294"/>
         </pc:sldMkLst>
+        <pc:spChg chg="add mod">
+          <ac:chgData name="이응빈" userId="e1966906-28e4-48ee-ae45-34fa8bdc4c5f" providerId="ADAL" clId="{654F0199-E9C9-2546-93F3-77FDE6542638}" dt="2021-08-30T08:50:28.711" v="26" actId="767"/>
+          <ac:spMkLst>
+            <pc:docMk/>
+            <pc:sldMk cId="945105176" sldId="294"/>
+            <ac:spMk id="2" creationId="{17965623-71B4-2C42-8DDC-C1F77CD49FC5}"/>
+          </ac:spMkLst>
+        </pc:spChg>
       </pc:sldChg>
       <pc:sldChg chg="mod modShow">
         <pc:chgData name="이응빈" userId="e1966906-28e4-48ee-ae45-34fa8bdc4c5f" providerId="ADAL" clId="{654F0199-E9C9-2546-93F3-77FDE6542638}" dt="2021-08-30T08:47:37.265" v="25" actId="729"/>
@@ -6731,6 +6739,38 @@
           </p:spPr>
         </p:pic>
       </p:grpSp>
+      <p:sp>
+        <p:nvSpPr>
+          <p:cNvPr id="2" name="TextBox 1">
+            <a:extLst>
+              <a:ext uri="{FF2B5EF4-FFF2-40B4-BE49-F238E27FC236}">
+                <a16:creationId xmlns:a16="http://schemas.microsoft.com/office/drawing/2014/main" id="{17965623-71B4-2C42-8DDC-C1F77CD49FC5}"/>
+              </a:ext>
+            </a:extLst>
+          </p:cNvPr>
+          <p:cNvSpPr txBox="1"/>
+          <p:nvPr/>
+        </p:nvSpPr>
+        <p:spPr>
+          <a:xfrm>
+            <a:off x="-1266940" y="638978"/>
+            <a:ext cx="184731" cy="369332"/>
+          </a:xfrm>
+          <a:prstGeom prst="rect">
+            <a:avLst/>
+          </a:prstGeom>
+          <a:noFill/>
+        </p:spPr>
+        <p:txBody>
+          <a:bodyPr wrap="none" rtlCol="0">
+            <a:spAutoFit/>
+          </a:bodyPr>
+          <a:lstStyle/>
+          <a:p>
+            <a:endParaRPr kumimoji="1" lang="ko-KR" altLang="en-US"/>
+          </a:p>
+        </p:txBody>
+      </p:sp>
     </p:spTree>
     <p:extLst>
       <p:ext uri="{BB962C8B-B14F-4D97-AF65-F5344CB8AC3E}">
